--- a/デザイン展用操作説明書.pptx
+++ b/デザイン展用操作説明書.pptx
@@ -243,7 +243,7 @@
           <a:p>
             <a:fld id="{A1C64D7B-1D05-4ABD-A733-8F86C0F60575}" type="datetimeFigureOut">
               <a:rPr kumimoji="1" lang="ja-JP" altLang="en-US" smtClean="0"/>
-              <a:t>2024/1/24</a:t>
+              <a:t>2024/1/25</a:t>
             </a:fld>
             <a:endParaRPr kumimoji="1" lang="ja-JP" altLang="en-US"/>
           </a:p>
@@ -445,7 +445,7 @@
           <a:p>
             <a:fld id="{A1C64D7B-1D05-4ABD-A733-8F86C0F60575}" type="datetimeFigureOut">
               <a:rPr kumimoji="1" lang="ja-JP" altLang="en-US" smtClean="0"/>
-              <a:t>2024/1/24</a:t>
+              <a:t>2024/1/25</a:t>
             </a:fld>
             <a:endParaRPr kumimoji="1" lang="ja-JP" altLang="en-US"/>
           </a:p>
@@ -657,7 +657,7 @@
           <a:p>
             <a:fld id="{A1C64D7B-1D05-4ABD-A733-8F86C0F60575}" type="datetimeFigureOut">
               <a:rPr kumimoji="1" lang="ja-JP" altLang="en-US" smtClean="0"/>
-              <a:t>2024/1/24</a:t>
+              <a:t>2024/1/25</a:t>
             </a:fld>
             <a:endParaRPr kumimoji="1" lang="ja-JP" altLang="en-US"/>
           </a:p>
@@ -859,7 +859,7 @@
           <a:p>
             <a:fld id="{A1C64D7B-1D05-4ABD-A733-8F86C0F60575}" type="datetimeFigureOut">
               <a:rPr kumimoji="1" lang="ja-JP" altLang="en-US" smtClean="0"/>
-              <a:t>2024/1/24</a:t>
+              <a:t>2024/1/25</a:t>
             </a:fld>
             <a:endParaRPr kumimoji="1" lang="ja-JP" altLang="en-US"/>
           </a:p>
@@ -1103,7 +1103,7 @@
           <a:p>
             <a:fld id="{A1C64D7B-1D05-4ABD-A733-8F86C0F60575}" type="datetimeFigureOut">
               <a:rPr kumimoji="1" lang="ja-JP" altLang="en-US" smtClean="0"/>
-              <a:t>2024/1/24</a:t>
+              <a:t>2024/1/25</a:t>
             </a:fld>
             <a:endParaRPr kumimoji="1" lang="ja-JP" altLang="en-US"/>
           </a:p>
@@ -1399,7 +1399,7 @@
           <a:p>
             <a:fld id="{A1C64D7B-1D05-4ABD-A733-8F86C0F60575}" type="datetimeFigureOut">
               <a:rPr kumimoji="1" lang="ja-JP" altLang="en-US" smtClean="0"/>
-              <a:t>2024/1/24</a:t>
+              <a:t>2024/1/25</a:t>
             </a:fld>
             <a:endParaRPr kumimoji="1" lang="ja-JP" altLang="en-US"/>
           </a:p>
@@ -1830,7 +1830,7 @@
           <a:p>
             <a:fld id="{A1C64D7B-1D05-4ABD-A733-8F86C0F60575}" type="datetimeFigureOut">
               <a:rPr kumimoji="1" lang="ja-JP" altLang="en-US" smtClean="0"/>
-              <a:t>2024/1/24</a:t>
+              <a:t>2024/1/25</a:t>
             </a:fld>
             <a:endParaRPr kumimoji="1" lang="ja-JP" altLang="en-US"/>
           </a:p>
@@ -1948,7 +1948,7 @@
           <a:p>
             <a:fld id="{A1C64D7B-1D05-4ABD-A733-8F86C0F60575}" type="datetimeFigureOut">
               <a:rPr kumimoji="1" lang="ja-JP" altLang="en-US" smtClean="0"/>
-              <a:t>2024/1/24</a:t>
+              <a:t>2024/1/25</a:t>
             </a:fld>
             <a:endParaRPr kumimoji="1" lang="ja-JP" altLang="en-US"/>
           </a:p>
@@ -2043,7 +2043,7 @@
           <a:p>
             <a:fld id="{A1C64D7B-1D05-4ABD-A733-8F86C0F60575}" type="datetimeFigureOut">
               <a:rPr kumimoji="1" lang="ja-JP" altLang="en-US" smtClean="0"/>
-              <a:t>2024/1/24</a:t>
+              <a:t>2024/1/25</a:t>
             </a:fld>
             <a:endParaRPr kumimoji="1" lang="ja-JP" altLang="en-US"/>
           </a:p>
@@ -2352,7 +2352,7 @@
           <a:p>
             <a:fld id="{A1C64D7B-1D05-4ABD-A733-8F86C0F60575}" type="datetimeFigureOut">
               <a:rPr kumimoji="1" lang="ja-JP" altLang="en-US" smtClean="0"/>
-              <a:t>2024/1/24</a:t>
+              <a:t>2024/1/25</a:t>
             </a:fld>
             <a:endParaRPr kumimoji="1" lang="ja-JP" altLang="en-US"/>
           </a:p>
@@ -2609,7 +2609,7 @@
           <a:p>
             <a:fld id="{A1C64D7B-1D05-4ABD-A733-8F86C0F60575}" type="datetimeFigureOut">
               <a:rPr kumimoji="1" lang="ja-JP" altLang="en-US" smtClean="0"/>
-              <a:t>2024/1/24</a:t>
+              <a:t>2024/1/25</a:t>
             </a:fld>
             <a:endParaRPr kumimoji="1" lang="ja-JP" altLang="en-US"/>
           </a:p>
@@ -2854,7 +2854,7 @@
           <a:p>
             <a:fld id="{A1C64D7B-1D05-4ABD-A733-8F86C0F60575}" type="datetimeFigureOut">
               <a:rPr kumimoji="1" lang="ja-JP" altLang="en-US" smtClean="0"/>
-              <a:t>2024/1/24</a:t>
+              <a:t>2024/1/25</a:t>
             </a:fld>
             <a:endParaRPr kumimoji="1" lang="ja-JP" altLang="en-US"/>
           </a:p>
@@ -3671,7 +3671,33 @@
                   <a:schemeClr val="bg1"/>
                 </a:solidFill>
               </a:rPr>
-              <a:t>移動　　　　　走る</a:t>
+              <a:t>移動   </a:t>
+            </a:r>
+            <a:r>
+              <a:rPr kumimoji="1" lang="en-US" altLang="ja-JP" sz="2400" b="1" dirty="0">
+                <a:ln w="9525">
+                  <a:solidFill>
+                    <a:schemeClr val="tx1"/>
+                  </a:solidFill>
+                </a:ln>
+                <a:solidFill>
+                  <a:schemeClr val="bg1"/>
+                </a:solidFill>
+              </a:rPr>
+              <a:t>&amp;</a:t>
+            </a:r>
+            <a:r>
+              <a:rPr kumimoji="1" lang="ja-JP" altLang="en-US" sz="2400" b="1" dirty="0">
+                <a:ln w="9525">
+                  <a:solidFill>
+                    <a:schemeClr val="tx1"/>
+                  </a:solidFill>
+                </a:ln>
+                <a:solidFill>
+                  <a:schemeClr val="bg1"/>
+                </a:solidFill>
+              </a:rPr>
+              <a:t>　　　走る</a:t>
             </a:r>
           </a:p>
         </p:txBody>
